--- a/presentation/Transformer_Udemy/Udemy_P8_1_What we have learned.pptx
+++ b/presentation/Transformer_Udemy/Udemy_P8_1_What we have learned.pptx
@@ -198,7 +198,7 @@
           <a:p>
             <a:fld id="{83E62246-8680-4D4D-A3BD-0C5BFD468F61}" type="datetimeFigureOut">
               <a:rPr lang="en-US" smtClean="0"/>
-              <a:t>6/29/2024</a:t>
+              <a:t>7/3/2024</a:t>
             </a:fld>
             <a:endParaRPr lang="en-US"/>
           </a:p>
@@ -614,7 +614,7 @@
           <a:p>
             <a:fld id="{DE15CBC1-10D1-4E1D-B7D3-1A6D6027583C}" type="datetimeFigureOut">
               <a:rPr lang="en-US" smtClean="0"/>
-              <a:t>6/29/2024</a:t>
+              <a:t>7/3/2024</a:t>
             </a:fld>
             <a:endParaRPr lang="en-US"/>
           </a:p>
@@ -812,7 +812,7 @@
           <a:p>
             <a:fld id="{DE15CBC1-10D1-4E1D-B7D3-1A6D6027583C}" type="datetimeFigureOut">
               <a:rPr lang="en-US" smtClean="0"/>
-              <a:t>6/29/2024</a:t>
+              <a:t>7/3/2024</a:t>
             </a:fld>
             <a:endParaRPr lang="en-US"/>
           </a:p>
@@ -1020,7 +1020,7 @@
           <a:p>
             <a:fld id="{DE15CBC1-10D1-4E1D-B7D3-1A6D6027583C}" type="datetimeFigureOut">
               <a:rPr lang="en-US" smtClean="0"/>
-              <a:t>6/29/2024</a:t>
+              <a:t>7/3/2024</a:t>
             </a:fld>
             <a:endParaRPr lang="en-US"/>
           </a:p>
@@ -1220,7 +1220,7 @@
           <a:p>
             <a:fld id="{DE15CBC1-10D1-4E1D-B7D3-1A6D6027583C}" type="datetimeFigureOut">
               <a:rPr lang="en-US" smtClean="0"/>
-              <a:t>6/29/2024</a:t>
+              <a:t>7/3/2024</a:t>
             </a:fld>
             <a:endParaRPr lang="en-US"/>
           </a:p>
@@ -1496,7 +1496,7 @@
           <a:p>
             <a:fld id="{DE15CBC1-10D1-4E1D-B7D3-1A6D6027583C}" type="datetimeFigureOut">
               <a:rPr lang="en-US" smtClean="0"/>
-              <a:t>6/29/2024</a:t>
+              <a:t>7/3/2024</a:t>
             </a:fld>
             <a:endParaRPr lang="en-US"/>
           </a:p>
@@ -1761,7 +1761,7 @@
           <a:p>
             <a:fld id="{DE15CBC1-10D1-4E1D-B7D3-1A6D6027583C}" type="datetimeFigureOut">
               <a:rPr lang="en-US" smtClean="0"/>
-              <a:t>6/29/2024</a:t>
+              <a:t>7/3/2024</a:t>
             </a:fld>
             <a:endParaRPr lang="en-US"/>
           </a:p>
@@ -2173,7 +2173,7 @@
           <a:p>
             <a:fld id="{DE15CBC1-10D1-4E1D-B7D3-1A6D6027583C}" type="datetimeFigureOut">
               <a:rPr lang="en-US" smtClean="0"/>
-              <a:t>6/29/2024</a:t>
+              <a:t>7/3/2024</a:t>
             </a:fld>
             <a:endParaRPr lang="en-US"/>
           </a:p>
@@ -2314,7 +2314,7 @@
           <a:p>
             <a:fld id="{DE15CBC1-10D1-4E1D-B7D3-1A6D6027583C}" type="datetimeFigureOut">
               <a:rPr lang="en-US" smtClean="0"/>
-              <a:t>6/29/2024</a:t>
+              <a:t>7/3/2024</a:t>
             </a:fld>
             <a:endParaRPr lang="en-US"/>
           </a:p>
@@ -2427,7 +2427,7 @@
           <a:p>
             <a:fld id="{DE15CBC1-10D1-4E1D-B7D3-1A6D6027583C}" type="datetimeFigureOut">
               <a:rPr lang="en-US" smtClean="0"/>
-              <a:t>6/29/2024</a:t>
+              <a:t>7/3/2024</a:t>
             </a:fld>
             <a:endParaRPr lang="en-US"/>
           </a:p>
@@ -2738,7 +2738,7 @@
           <a:p>
             <a:fld id="{DE15CBC1-10D1-4E1D-B7D3-1A6D6027583C}" type="datetimeFigureOut">
               <a:rPr lang="en-US" smtClean="0"/>
-              <a:t>6/29/2024</a:t>
+              <a:t>7/3/2024</a:t>
             </a:fld>
             <a:endParaRPr lang="en-US"/>
           </a:p>
@@ -3029,7 +3029,7 @@
           <a:p>
             <a:fld id="{DE15CBC1-10D1-4E1D-B7D3-1A6D6027583C}" type="datetimeFigureOut">
               <a:rPr lang="en-US" smtClean="0"/>
-              <a:t>6/29/2024</a:t>
+              <a:t>7/3/2024</a:t>
             </a:fld>
             <a:endParaRPr lang="en-US"/>
           </a:p>
@@ -3271,7 +3271,7 @@
             <a:fld id="{DE15CBC1-10D1-4E1D-B7D3-1A6D6027583C}" type="datetimeFigureOut">
               <a:rPr lang="en-US" smtClean="0"/>
               <a:pPr/>
-              <a:t>6/29/2024</a:t>
+              <a:t>7/3/2024</a:t>
             </a:fld>
             <a:endParaRPr lang="en-US"/>
           </a:p>
@@ -3737,7 +3737,7 @@
                 <a:ea typeface="+mj-ea"/>
                 <a:cs typeface="+mj-cs"/>
               </a:rPr>
-              <a:t>What have we learned…</a:t>
+              <a:t>What Have We Learned…</a:t>
             </a:r>
           </a:p>
         </p:txBody>
@@ -3794,7 +3794,7 @@
                 <a:ea typeface="+mj-ea"/>
                 <a:cs typeface="+mj-cs"/>
               </a:rPr>
-              <a:t>in this course?</a:t>
+              <a:t>in This Course?</a:t>
             </a:r>
           </a:p>
         </p:txBody>
@@ -3852,7 +3852,7 @@
           <a:p>
             <a:r>
               <a:rPr lang="en-US" dirty="0"/>
-              <a:t>At the entry point, what we have learned </a:t>
+              <a:t>What We Have Learned </a:t>
             </a:r>
           </a:p>
         </p:txBody>
@@ -3894,7 +3894,24 @@
             </a:pPr>
             <a:r>
               <a:rPr lang="en-US" dirty="0"/>
-              <a:t> Inner principles of the Transformer model – One of the fundamental grounds for Generative AI with LLM.</a:t>
+              <a:t> </a:t>
+            </a:r>
+            <a:r>
+              <a:rPr lang="en-US" b="1" dirty="0"/>
+              <a:t>Inner principles of the Transformer model </a:t>
+            </a:r>
+          </a:p>
+          <a:p>
+            <a:pPr lvl="1">
+              <a:lnSpc>
+                <a:spcPct val="120000"/>
+              </a:lnSpc>
+              <a:buFont typeface="Arial" panose="020B0604020202020204" pitchFamily="34" charset="0"/>
+              <a:buChar char="•"/>
+            </a:pPr>
+            <a:r>
+              <a:rPr lang="en-US" dirty="0"/>
+              <a:t>One of the fundamental grounds for Generative AI with LLM.</a:t>
             </a:r>
           </a:p>
           <a:p>
@@ -3907,7 +3924,25 @@
             </a:pPr>
             <a:r>
               <a:rPr lang="en-US" dirty="0"/>
-              <a:t> Tools, libraries, and frameworks to build applications around LLM: Hugging Face ecosystem, </a:t>
+              <a:t> </a:t>
+            </a:r>
+            <a:r>
+              <a:rPr lang="en-US" b="1" dirty="0"/>
+              <a:t>Tools, libraries, and frameworks to build applications around LLM</a:t>
+            </a:r>
+            <a:endParaRPr lang="en-US" dirty="0"/>
+          </a:p>
+          <a:p>
+            <a:pPr lvl="1">
+              <a:lnSpc>
+                <a:spcPct val="120000"/>
+              </a:lnSpc>
+              <a:buFont typeface="Arial" panose="020B0604020202020204" pitchFamily="34" charset="0"/>
+              <a:buChar char="•"/>
+            </a:pPr>
+            <a:r>
+              <a:rPr lang="en-US" dirty="0"/>
+              <a:t>Hugging Face ecosystem, </a:t>
             </a:r>
             <a:r>
               <a:rPr lang="en-US" dirty="0" err="1"/>
@@ -3968,7 +4003,11 @@
             </a:pPr>
             <a:r>
               <a:rPr lang="en-US" dirty="0"/>
-              <a:t> Built 4 types of LLM-based applications (among others):</a:t>
+              <a:t> </a:t>
+            </a:r>
+            <a:r>
+              <a:rPr lang="en-US" b="1" dirty="0"/>
+              <a:t>Built 4 types of LLM-based applications (among others)</a:t>
             </a:r>
           </a:p>
           <a:p>
@@ -4032,7 +4071,7 @@
               <a:buChar char="•"/>
             </a:pPr>
             <a:r>
-              <a:rPr lang="en-US" dirty="0"/>
+              <a:rPr lang="en-US" b="1" dirty="0"/>
               <a:t>How to deploy LLM-based applications with REST API and Docker</a:t>
             </a:r>
           </a:p>
@@ -4045,8 +4084,8 @@
               <a:buChar char="•"/>
             </a:pPr>
             <a:r>
-              <a:rPr lang="en-US" dirty="0"/>
-              <a:t>On the implementation side:</a:t>
+              <a:rPr lang="en-US" b="1" dirty="0"/>
+              <a:t>Implementation aspects</a:t>
             </a:r>
           </a:p>
           <a:p>
